--- a/ppt22.pptx
+++ b/ppt22.pptx
@@ -5,10 +5,10 @@
     <p:sldMasterId id="2147483660" r:id="rId1"/>
   </p:sldMasterIdLst>
   <p:notesMasterIdLst>
-    <p:notesMasterId r:id="rId26"/>
+    <p:notesMasterId r:id="rId27"/>
   </p:notesMasterIdLst>
   <p:handoutMasterIdLst>
-    <p:handoutMasterId r:id="rId27"/>
+    <p:handoutMasterId r:id="rId28"/>
   </p:handoutMasterIdLst>
   <p:sldIdLst>
     <p:sldId id="264" r:id="rId2"/>
@@ -33,8 +33,9 @@
     <p:sldId id="291" r:id="rId21"/>
     <p:sldId id="289" r:id="rId22"/>
     <p:sldId id="279" r:id="rId23"/>
-    <p:sldId id="292" r:id="rId24"/>
-    <p:sldId id="267" r:id="rId25"/>
+    <p:sldId id="294" r:id="rId24"/>
+    <p:sldId id="292" r:id="rId25"/>
+    <p:sldId id="267" r:id="rId26"/>
   </p:sldIdLst>
   <p:sldSz cx="9144000" cy="6858000" type="screen4x3"/>
   <p:notesSz cx="6858000" cy="9144000"/>
@@ -1763,6 +1764,90 @@
             <a:fld id="{DED5883F-63DE-466D-9EA6-C0E7B359211A}" type="slidenum">
               <a:rPr lang="ko-KR" altLang="en-US" smtClean="0"/>
               <a:t>23</a:t>
+            </a:fld>
+            <a:endParaRPr lang="ko-KR" altLang="en-US"/>
+          </a:p>
+        </p:txBody>
+      </p:sp>
+    </p:spTree>
+    <p:extLst>
+      <p:ext uri="{BB962C8B-B14F-4D97-AF65-F5344CB8AC3E}">
+        <p14:creationId xmlns:p14="http://schemas.microsoft.com/office/powerpoint/2010/main" val="2812468893"/>
+      </p:ext>
+    </p:extLst>
+  </p:cSld>
+  <p:clrMapOvr>
+    <a:masterClrMapping/>
+  </p:clrMapOvr>
+</p:notes>
+</file>
+
+<file path=ppt/notesSlides/notesSlide21.xml><?xml version="1.0" encoding="utf-8"?>
+<p:notes xmlns:a="http://schemas.openxmlformats.org/drawingml/2006/main" xmlns:r="http://schemas.openxmlformats.org/officeDocument/2006/relationships" xmlns:p="http://schemas.openxmlformats.org/presentationml/2006/main">
+  <p:cSld>
+    <p:spTree>
+      <p:nvGrpSpPr>
+        <p:cNvPr id="1" name=""/>
+        <p:cNvGrpSpPr/>
+        <p:nvPr/>
+      </p:nvGrpSpPr>
+      <p:grpSpPr>
+        <a:xfrm>
+          <a:off x="0" y="0"/>
+          <a:ext cx="0" cy="0"/>
+          <a:chOff x="0" y="0"/>
+          <a:chExt cx="0" cy="0"/>
+        </a:xfrm>
+      </p:grpSpPr>
+      <p:sp>
+        <p:nvSpPr>
+          <p:cNvPr id="2" name="슬라이드 이미지 개체 틀 1"/>
+          <p:cNvSpPr>
+            <a:spLocks noGrp="1" noRot="1" noChangeAspect="1"/>
+          </p:cNvSpPr>
+          <p:nvPr>
+            <p:ph type="sldImg"/>
+          </p:nvPr>
+        </p:nvSpPr>
+        <p:spPr/>
+      </p:sp>
+      <p:sp>
+        <p:nvSpPr>
+          <p:cNvPr id="3" name="슬라이드 노트 개체 틀 2"/>
+          <p:cNvSpPr>
+            <a:spLocks noGrp="1"/>
+          </p:cNvSpPr>
+          <p:nvPr>
+            <p:ph type="body" idx="1"/>
+          </p:nvPr>
+        </p:nvSpPr>
+        <p:spPr/>
+        <p:txBody>
+          <a:bodyPr/>
+          <a:lstStyle/>
+          <a:p>
+            <a:endParaRPr lang="ko-KR" altLang="en-US"/>
+          </a:p>
+        </p:txBody>
+      </p:sp>
+      <p:sp>
+        <p:nvSpPr>
+          <p:cNvPr id="4" name="슬라이드 번호 개체 틀 3"/>
+          <p:cNvSpPr>
+            <a:spLocks noGrp="1"/>
+          </p:cNvSpPr>
+          <p:nvPr>
+            <p:ph type="sldNum" sz="quarter" idx="10"/>
+          </p:nvPr>
+        </p:nvSpPr>
+        <p:spPr/>
+        <p:txBody>
+          <a:bodyPr/>
+          <a:lstStyle/>
+          <a:p>
+            <a:fld id="{DED5883F-63DE-466D-9EA6-C0E7B359211A}" type="slidenum">
+              <a:rPr lang="ko-KR" altLang="en-US" smtClean="0"/>
+              <a:t>24</a:t>
             </a:fld>
             <a:endParaRPr lang="ko-KR" altLang="en-US"/>
           </a:p>
@@ -22906,7 +22991,418 @@
                 </a:blipFill>
                 <a:latin typeface="+mn-ea"/>
               </a:rPr>
-              <a:t>형상관리</a:t>
+              <a:t>형상관리 </a:t>
+            </a:r>
+            <a:r>
+              <a:rPr lang="en-US" altLang="ko-KR" sz="3200" b="1" spc="-50" smtClean="0">
+                <a:blipFill dpi="0" rotWithShape="1">
+                  <a:blip r:embed="rId3"/>
+                  <a:srcRect/>
+                  <a:tile tx="0" ty="0" sx="20000" sy="20000" flip="none" algn="tl"/>
+                </a:blipFill>
+                <a:latin typeface="+mn-ea"/>
+              </a:rPr>
+              <a:t>– </a:t>
+            </a:r>
+            <a:r>
+              <a:rPr lang="ko-KR" altLang="en-US" sz="3200" b="1" spc="-50" smtClean="0">
+                <a:blipFill dpi="0" rotWithShape="1">
+                  <a:blip r:embed="rId3"/>
+                  <a:srcRect/>
+                  <a:tile tx="0" ty="0" sx="20000" sy="20000" flip="none" algn="tl"/>
+                </a:blipFill>
+                <a:latin typeface="+mn-ea"/>
+              </a:rPr>
+              <a:t>명세서</a:t>
+            </a:r>
+            <a:r>
+              <a:rPr lang="en-US" altLang="ko-KR" sz="3200" b="1" spc="-50">
+                <a:blipFill dpi="0" rotWithShape="1">
+                  <a:blip r:embed="rId3"/>
+                  <a:srcRect/>
+                  <a:tile tx="0" ty="0" sx="20000" sy="20000" flip="none" algn="tl"/>
+                </a:blipFill>
+                <a:latin typeface="+mn-ea"/>
+              </a:rPr>
+              <a:t> </a:t>
+            </a:r>
+            <a:r>
+              <a:rPr lang="en-US" altLang="ko-KR" sz="3200" b="1" spc="-50" smtClean="0">
+                <a:blipFill dpi="0" rotWithShape="1">
+                  <a:blip r:embed="rId3"/>
+                  <a:srcRect/>
+                  <a:tile tx="0" ty="0" sx="20000" sy="20000" flip="none" algn="tl"/>
+                </a:blipFill>
+                <a:latin typeface="+mn-ea"/>
+              </a:rPr>
+              <a:t>/ </a:t>
+            </a:r>
+            <a:r>
+              <a:rPr lang="ko-KR" altLang="en-US" sz="3200" b="1" spc="-50" smtClean="0">
+                <a:blipFill dpi="0" rotWithShape="1">
+                  <a:blip r:embed="rId3"/>
+                  <a:srcRect/>
+                  <a:tile tx="0" ty="0" sx="20000" sy="20000" flip="none" algn="tl"/>
+                </a:blipFill>
+                <a:latin typeface="+mn-ea"/>
+              </a:rPr>
+              <a:t>기획서</a:t>
+            </a:r>
+            <a:r>
+              <a:rPr lang="en-US" altLang="ko-KR" sz="3200" b="1" spc="-50" smtClean="0">
+                <a:blipFill dpi="0" rotWithShape="1">
+                  <a:blip r:embed="rId3"/>
+                  <a:srcRect/>
+                  <a:tile tx="0" ty="0" sx="20000" sy="20000" flip="none" algn="tl"/>
+                </a:blipFill>
+                <a:latin typeface="+mn-ea"/>
+              </a:rPr>
+              <a:t> </a:t>
+            </a:r>
+            <a:endParaRPr lang="en-US" altLang="ko-KR" sz="3200" b="1" spc="-50" dirty="0">
+              <a:blipFill dpi="0" rotWithShape="1">
+                <a:blip r:embed="rId3"/>
+                <a:srcRect/>
+                <a:tile tx="0" ty="0" sx="20000" sy="20000" flip="none" algn="tl"/>
+              </a:blipFill>
+              <a:latin typeface="+mn-ea"/>
+            </a:endParaRPr>
+          </a:p>
+        </p:txBody>
+      </p:sp>
+      <p:sp>
+        <p:nvSpPr>
+          <p:cNvPr id="19" name="한쪽 모서리가 둥근 사각형 18"/>
+          <p:cNvSpPr/>
+          <p:nvPr/>
+        </p:nvSpPr>
+        <p:spPr>
+          <a:xfrm>
+            <a:off x="-6" y="872716"/>
+            <a:ext cx="2720286" cy="5004556"/>
+          </a:xfrm>
+          <a:prstGeom prst="round1Rect">
+            <a:avLst>
+              <a:gd name="adj" fmla="val 17514"/>
+            </a:avLst>
+          </a:prstGeom>
+          <a:solidFill>
+            <a:srgbClr val="FBEBEB"/>
+          </a:solidFill>
+          <a:ln>
+            <a:noFill/>
+          </a:ln>
+        </p:spPr>
+        <p:style>
+          <a:lnRef idx="2">
+            <a:schemeClr val="accent1">
+              <a:shade val="50000"/>
+            </a:schemeClr>
+          </a:lnRef>
+          <a:fillRef idx="1">
+            <a:schemeClr val="accent1"/>
+          </a:fillRef>
+          <a:effectRef idx="0">
+            <a:schemeClr val="accent1"/>
+          </a:effectRef>
+          <a:fontRef idx="minor">
+            <a:schemeClr val="lt1"/>
+          </a:fontRef>
+        </p:style>
+        <p:txBody>
+          <a:bodyPr rtlCol="0" anchor="ctr"/>
+          <a:lstStyle/>
+          <a:p>
+            <a:pPr marL="400050" indent="-400050">
+              <a:lnSpc>
+                <a:spcPct val="250000"/>
+              </a:lnSpc>
+              <a:buAutoNum type="romanUcPeriod"/>
+            </a:pPr>
+            <a:r>
+              <a:rPr lang="ko-KR" altLang="en-US" sz="2000" b="1" dirty="0" smtClean="0">
+                <a:solidFill>
+                  <a:schemeClr val="bg1"/>
+                </a:solidFill>
+              </a:rPr>
+              <a:t>선</a:t>
+            </a:r>
+            <a:r>
+              <a:rPr lang="ko-KR" altLang="en-US" sz="2000" b="1" dirty="0">
+                <a:solidFill>
+                  <a:schemeClr val="bg1"/>
+                </a:solidFill>
+              </a:rPr>
+              <a:t>정</a:t>
+            </a:r>
+            <a:r>
+              <a:rPr lang="ko-KR" altLang="en-US" sz="2000" b="1" dirty="0" smtClean="0">
+                <a:solidFill>
+                  <a:schemeClr val="bg1"/>
+                </a:solidFill>
+              </a:rPr>
+              <a:t>동기</a:t>
+            </a:r>
+            <a:endParaRPr lang="en-US" altLang="ko-KR" sz="2000" b="1" dirty="0" smtClean="0">
+              <a:solidFill>
+                <a:schemeClr val="bg1"/>
+              </a:solidFill>
+            </a:endParaRPr>
+          </a:p>
+          <a:p>
+            <a:pPr marL="400050" indent="-400050">
+              <a:lnSpc>
+                <a:spcPct val="250000"/>
+              </a:lnSpc>
+              <a:buAutoNum type="romanUcPeriod"/>
+            </a:pPr>
+            <a:r>
+              <a:rPr lang="ko-KR" altLang="en-US" b="1" dirty="0" smtClean="0">
+                <a:solidFill>
+                  <a:schemeClr val="bg1"/>
+                </a:solidFill>
+              </a:rPr>
+              <a:t>문제점 및 해결방안</a:t>
+            </a:r>
+            <a:endParaRPr lang="en-US" altLang="ko-KR" b="1" dirty="0" smtClean="0">
+              <a:solidFill>
+                <a:schemeClr val="bg1"/>
+              </a:solidFill>
+            </a:endParaRPr>
+          </a:p>
+          <a:p>
+            <a:pPr marL="400050" indent="-400050">
+              <a:lnSpc>
+                <a:spcPct val="250000"/>
+              </a:lnSpc>
+              <a:buAutoNum type="romanUcPeriod"/>
+            </a:pPr>
+            <a:r>
+              <a:rPr lang="ko-KR" altLang="en-US" b="1" dirty="0" smtClean="0">
+                <a:solidFill>
+                  <a:schemeClr val="bg1"/>
+                </a:solidFill>
+              </a:rPr>
+              <a:t>기능</a:t>
+            </a:r>
+            <a:endParaRPr lang="en-US" altLang="ko-KR" b="1" dirty="0" smtClean="0">
+              <a:solidFill>
+                <a:schemeClr val="bg1"/>
+              </a:solidFill>
+            </a:endParaRPr>
+          </a:p>
+          <a:p>
+            <a:pPr marL="400050" indent="-400050">
+              <a:lnSpc>
+                <a:spcPct val="250000"/>
+              </a:lnSpc>
+              <a:buAutoNum type="romanUcPeriod"/>
+            </a:pPr>
+            <a:r>
+              <a:rPr lang="ko-KR" altLang="en-US" b="1" dirty="0" smtClean="0"/>
+              <a:t>조직도</a:t>
+            </a:r>
+            <a:endParaRPr lang="en-US" altLang="ko-KR" b="1" dirty="0" smtClean="0"/>
+          </a:p>
+          <a:p>
+            <a:pPr marL="400050" indent="-400050">
+              <a:lnSpc>
+                <a:spcPct val="250000"/>
+              </a:lnSpc>
+              <a:buAutoNum type="romanUcPeriod"/>
+            </a:pPr>
+            <a:r>
+              <a:rPr lang="ko-KR" altLang="en-US" b="1" dirty="0" smtClean="0">
+                <a:solidFill>
+                  <a:schemeClr val="bg1"/>
+                </a:solidFill>
+              </a:rPr>
+              <a:t>프로젝트 계획</a:t>
+            </a:r>
+            <a:endParaRPr lang="en-US" altLang="ko-KR" b="1" dirty="0" smtClean="0">
+              <a:solidFill>
+                <a:schemeClr val="bg1"/>
+              </a:solidFill>
+            </a:endParaRPr>
+          </a:p>
+          <a:p>
+            <a:pPr marL="400050" indent="-400050">
+              <a:lnSpc>
+                <a:spcPct val="250000"/>
+              </a:lnSpc>
+              <a:buAutoNum type="romanUcPeriod"/>
+            </a:pPr>
+            <a:r>
+              <a:rPr lang="ko-KR" altLang="en-US" b="1" dirty="0" smtClean="0">
+                <a:solidFill>
+                  <a:schemeClr val="tx1"/>
+                </a:solidFill>
+              </a:rPr>
+              <a:t>현재진행상황</a:t>
+            </a:r>
+            <a:endParaRPr lang="ko-KR" altLang="en-US" b="1" dirty="0">
+              <a:solidFill>
+                <a:schemeClr val="tx1"/>
+              </a:solidFill>
+            </a:endParaRPr>
+          </a:p>
+        </p:txBody>
+      </p:sp>
+      <p:pic>
+        <p:nvPicPr>
+          <p:cNvPr id="2050" name="Picture 2" descr="C:\Users\SA-01\Desktop\폴더들\아비\명세서 및 위험분석 현상관리.png"/>
+          <p:cNvPicPr>
+            <a:picLocks noChangeAspect="1" noChangeArrowheads="1"/>
+          </p:cNvPicPr>
+          <p:nvPr/>
+        </p:nvPicPr>
+        <p:blipFill>
+          <a:blip r:embed="rId4">
+            <a:extLst>
+              <a:ext uri="{28A0092B-C50C-407E-A947-70E740481C1C}">
+                <a14:useLocalDpi xmlns:a14="http://schemas.microsoft.com/office/drawing/2010/main" val="0"/>
+              </a:ext>
+            </a:extLst>
+          </a:blip>
+          <a:srcRect/>
+          <a:stretch>
+            <a:fillRect/>
+          </a:stretch>
+        </p:blipFill>
+        <p:spPr bwMode="auto">
+          <a:xfrm>
+            <a:off x="2720280" y="1844824"/>
+            <a:ext cx="6213533" cy="2376264"/>
+          </a:xfrm>
+          <a:prstGeom prst="rect">
+            <a:avLst/>
+          </a:prstGeom>
+          <a:noFill/>
+          <a:extLst>
+            <a:ext uri="{909E8E84-426E-40DD-AFC4-6F175D3DCCD1}">
+              <a14:hiddenFill xmlns:a14="http://schemas.microsoft.com/office/drawing/2010/main">
+                <a:solidFill>
+                  <a:srgbClr val="FFFFFF"/>
+                </a:solidFill>
+              </a14:hiddenFill>
+            </a:ext>
+          </a:extLst>
+        </p:spPr>
+      </p:pic>
+    </p:spTree>
+    <p:extLst>
+      <p:ext uri="{BB962C8B-B14F-4D97-AF65-F5344CB8AC3E}">
+        <p14:creationId xmlns:p14="http://schemas.microsoft.com/office/powerpoint/2010/main" val="3340466932"/>
+      </p:ext>
+    </p:extLst>
+  </p:cSld>
+  <p:clrMapOvr>
+    <a:masterClrMapping/>
+  </p:clrMapOvr>
+  <mc:AlternateContent xmlns:mc="http://schemas.openxmlformats.org/markup-compatibility/2006" xmlns:p14="http://schemas.microsoft.com/office/powerpoint/2010/main">
+    <mc:Choice Requires="p14">
+      <p:transition spd="med" p14:dur="700">
+        <p:fade/>
+      </p:transition>
+    </mc:Choice>
+    <mc:Fallback xmlns="">
+      <p:transition spd="med">
+        <p:fade/>
+      </p:transition>
+    </mc:Fallback>
+  </mc:AlternateContent>
+  <p:timing>
+    <p:tnLst>
+      <p:par>
+        <p:cTn id="1" dur="indefinite" restart="never" nodeType="tmRoot"/>
+      </p:par>
+    </p:tnLst>
+  </p:timing>
+</p:sld>
+</file>
+
+<file path=ppt/slides/slide24.xml><?xml version="1.0" encoding="utf-8"?>
+<p:sld xmlns:a="http://schemas.openxmlformats.org/drawingml/2006/main" xmlns:r="http://schemas.openxmlformats.org/officeDocument/2006/relationships" xmlns:p="http://schemas.openxmlformats.org/presentationml/2006/main">
+  <p:cSld>
+    <p:spTree>
+      <p:nvGrpSpPr>
+        <p:cNvPr id="1" name=""/>
+        <p:cNvGrpSpPr/>
+        <p:nvPr/>
+      </p:nvGrpSpPr>
+      <p:grpSpPr>
+        <a:xfrm>
+          <a:off x="0" y="0"/>
+          <a:ext cx="0" cy="0"/>
+          <a:chOff x="0" y="0"/>
+          <a:chExt cx="0" cy="0"/>
+        </a:xfrm>
+      </p:grpSpPr>
+      <p:sp>
+        <p:nvSpPr>
+          <p:cNvPr id="153" name="TextBox 152"/>
+          <p:cNvSpPr txBox="1"/>
+          <p:nvPr/>
+        </p:nvSpPr>
+        <p:spPr>
+          <a:xfrm>
+            <a:off x="-6" y="2573"/>
+            <a:ext cx="6992989" cy="807324"/>
+          </a:xfrm>
+          <a:prstGeom prst="rect">
+            <a:avLst/>
+          </a:prstGeom>
+          <a:noFill/>
+        </p:spPr>
+        <p:txBody>
+          <a:bodyPr wrap="none" lIns="540000" tIns="180000" rIns="0" bIns="0" rtlCol="0" anchor="ctr">
+            <a:noAutofit/>
+          </a:bodyPr>
+          <a:lstStyle/>
+          <a:p>
+            <a:r>
+              <a:rPr lang="en-US" altLang="ko-KR" sz="3200" b="1" spc="-50" smtClean="0">
+                <a:blipFill dpi="0" rotWithShape="1">
+                  <a:blip r:embed="rId3"/>
+                  <a:srcRect/>
+                  <a:tile tx="0" ty="0" sx="20000" sy="20000" flip="none" algn="tl"/>
+                </a:blipFill>
+                <a:latin typeface="+mn-ea"/>
+              </a:rPr>
+              <a:t>7. </a:t>
+            </a:r>
+            <a:r>
+              <a:rPr lang="ko-KR" altLang="en-US" sz="3200" b="1" spc="-50" smtClean="0">
+                <a:blipFill dpi="0" rotWithShape="1">
+                  <a:blip r:embed="rId3"/>
+                  <a:srcRect/>
+                  <a:tile tx="0" ty="0" sx="20000" sy="20000" flip="none" algn="tl"/>
+                </a:blipFill>
+                <a:latin typeface="+mn-ea"/>
+              </a:rPr>
+              <a:t>형상관리 </a:t>
+            </a:r>
+            <a:r>
+              <a:rPr lang="en-US" altLang="ko-KR" sz="3200" b="1" spc="-50" smtClean="0">
+                <a:blipFill dpi="0" rotWithShape="1">
+                  <a:blip r:embed="rId3"/>
+                  <a:srcRect/>
+                  <a:tile tx="0" ty="0" sx="20000" sy="20000" flip="none" algn="tl"/>
+                </a:blipFill>
+                <a:latin typeface="+mn-ea"/>
+              </a:rPr>
+              <a:t>- </a:t>
+            </a:r>
+            <a:r>
+              <a:rPr lang="ko-KR" altLang="en-US" sz="3200" b="1" spc="-50" smtClean="0">
+                <a:blipFill dpi="0" rotWithShape="1">
+                  <a:blip r:embed="rId3"/>
+                  <a:srcRect/>
+                  <a:tile tx="0" ty="0" sx="20000" sy="20000" flip="none" algn="tl"/>
+                </a:blipFill>
+                <a:latin typeface="+mn-ea"/>
+              </a:rPr>
+              <a:t>코드</a:t>
             </a:r>
             <a:endParaRPr lang="en-US" altLang="ko-KR" sz="3200" b="1" spc="-50" dirty="0">
               <a:blipFill dpi="0" rotWithShape="1">
@@ -23233,7 +23729,7 @@
 </p:sld>
 </file>
 
-<file path=ppt/slides/slide24.xml><?xml version="1.0" encoding="utf-8"?>
+<file path=ppt/slides/slide25.xml><?xml version="1.0" encoding="utf-8"?>
 <p:sld xmlns:a="http://schemas.openxmlformats.org/drawingml/2006/main" xmlns:r="http://schemas.openxmlformats.org/officeDocument/2006/relationships" xmlns:p="http://schemas.openxmlformats.org/presentationml/2006/main">
   <p:cSld>
     <p:spTree>
